--- a/Version-0.pptx
+++ b/Version-0.pptx
@@ -5,7 +5,7 @@
     <p:sldMasterId id="2147483648" r:id="rId1"/>
   </p:sldMasterIdLst>
   <p:notesMasterIdLst>
-    <p:notesMasterId r:id="rId15"/>
+    <p:notesMasterId r:id="rId17"/>
   </p:notesMasterIdLst>
   <p:sldIdLst>
     <p:sldId id="256" r:id="rId2"/>
@@ -15,12 +15,14 @@
     <p:sldId id="259" r:id="rId6"/>
     <p:sldId id="260" r:id="rId7"/>
     <p:sldId id="262" r:id="rId8"/>
-    <p:sldId id="263" r:id="rId9"/>
-    <p:sldId id="264" r:id="rId10"/>
-    <p:sldId id="265" r:id="rId11"/>
-    <p:sldId id="266" r:id="rId12"/>
-    <p:sldId id="267" r:id="rId13"/>
-    <p:sldId id="268" r:id="rId14"/>
+    <p:sldId id="269" r:id="rId9"/>
+    <p:sldId id="270" r:id="rId10"/>
+    <p:sldId id="263" r:id="rId11"/>
+    <p:sldId id="264" r:id="rId12"/>
+    <p:sldId id="265" r:id="rId13"/>
+    <p:sldId id="266" r:id="rId14"/>
+    <p:sldId id="267" r:id="rId15"/>
+    <p:sldId id="268" r:id="rId16"/>
   </p:sldIdLst>
   <p:sldSz cx="12192000" cy="6858000"/>
   <p:notesSz cx="6858000" cy="9144000"/>
@@ -119,6 +121,11 @@
       </a:defRPr>
     </a:lvl9pPr>
   </p:defaultTextStyle>
+  <p:extLst>
+    <p:ext uri="{EFAFB233-063F-42B5-8137-9DF3F51BA10A}">
+      <p15:sldGuideLst xmlns:p15="http://schemas.microsoft.com/office/powerpoint/2012/main"/>
+    </p:ext>
+  </p:extLst>
 </p:presentation>
 </file>
 
@@ -204,7 +211,7 @@
           <a:p>
             <a:fld id="{380D8D89-767C-4942-97E8-D9F1792FF42E}" type="datetimeFigureOut">
               <a:rPr lang="en-IL" smtClean="0"/>
-              <a:t>06/03/2021</a:t>
+              <a:t>11/03/2021</a:t>
             </a:fld>
             <a:endParaRPr lang="en-IL"/>
           </a:p>
@@ -998,7 +1005,7 @@
           <a:p>
             <a:r>
               <a:rPr lang="he-IL" dirty="0"/>
-              <a:t>מעקב אחרי כל המשימות שקיימות .</a:t>
+              <a:t>חסימת אפשרות לדחוף למאסטר ללא אישור </a:t>
             </a:r>
             <a:endParaRPr lang="en-IL" dirty="0"/>
           </a:p>
@@ -1022,6 +1029,182 @@
             <a:fld id="{EF89050A-76D1-45F8-923C-FFB0381BDD47}" type="slidenum">
               <a:rPr lang="en-IL" smtClean="0"/>
               <a:t>8</a:t>
+            </a:fld>
+            <a:endParaRPr lang="en-IL"/>
+          </a:p>
+        </p:txBody>
+      </p:sp>
+    </p:spTree>
+    <p:extLst>
+      <p:ext uri="{BB962C8B-B14F-4D97-AF65-F5344CB8AC3E}">
+        <p14:creationId xmlns:p14="http://schemas.microsoft.com/office/powerpoint/2010/main" val="1316873425"/>
+      </p:ext>
+    </p:extLst>
+  </p:cSld>
+  <p:clrMapOvr>
+    <a:masterClrMapping/>
+  </p:clrMapOvr>
+</p:notes>
+</file>
+
+<file path=ppt/notesSlides/notesSlide7.xml><?xml version="1.0" encoding="utf-8"?>
+<p:notes xmlns:a="http://schemas.openxmlformats.org/drawingml/2006/main" xmlns:r="http://schemas.openxmlformats.org/officeDocument/2006/relationships" xmlns:p="http://schemas.openxmlformats.org/presentationml/2006/main">
+  <p:cSld>
+    <p:spTree>
+      <p:nvGrpSpPr>
+        <p:cNvPr id="1" name=""/>
+        <p:cNvGrpSpPr/>
+        <p:nvPr/>
+      </p:nvGrpSpPr>
+      <p:grpSpPr>
+        <a:xfrm>
+          <a:off x="0" y="0"/>
+          <a:ext cx="0" cy="0"/>
+          <a:chOff x="0" y="0"/>
+          <a:chExt cx="0" cy="0"/>
+        </a:xfrm>
+      </p:grpSpPr>
+      <p:sp>
+        <p:nvSpPr>
+          <p:cNvPr id="2" name="מציין מיקום של תמונת שקופית 1"/>
+          <p:cNvSpPr>
+            <a:spLocks noGrp="1" noRot="1" noChangeAspect="1"/>
+          </p:cNvSpPr>
+          <p:nvPr>
+            <p:ph type="sldImg"/>
+          </p:nvPr>
+        </p:nvSpPr>
+        <p:spPr/>
+      </p:sp>
+      <p:sp>
+        <p:nvSpPr>
+          <p:cNvPr id="3" name="מציין מיקום של הערות 2"/>
+          <p:cNvSpPr>
+            <a:spLocks noGrp="1"/>
+          </p:cNvSpPr>
+          <p:nvPr>
+            <p:ph type="body" idx="1"/>
+          </p:nvPr>
+        </p:nvSpPr>
+        <p:spPr/>
+        <p:txBody>
+          <a:bodyPr/>
+          <a:lstStyle/>
+          <a:p>
+            <a:r>
+              <a:rPr lang="he-IL" dirty="0"/>
+              <a:t>חסימת אפשרות לדחוף למאסטר ללא אישור </a:t>
+            </a:r>
+            <a:endParaRPr lang="en-IL" dirty="0"/>
+          </a:p>
+        </p:txBody>
+      </p:sp>
+      <p:sp>
+        <p:nvSpPr>
+          <p:cNvPr id="4" name="מציין מיקום של מספר שקופית 3"/>
+          <p:cNvSpPr>
+            <a:spLocks noGrp="1"/>
+          </p:cNvSpPr>
+          <p:nvPr>
+            <p:ph type="sldNum" sz="quarter" idx="5"/>
+          </p:nvPr>
+        </p:nvSpPr>
+        <p:spPr/>
+        <p:txBody>
+          <a:bodyPr/>
+          <a:lstStyle/>
+          <a:p>
+            <a:fld id="{EF89050A-76D1-45F8-923C-FFB0381BDD47}" type="slidenum">
+              <a:rPr lang="en-IL" smtClean="0"/>
+              <a:t>9</a:t>
+            </a:fld>
+            <a:endParaRPr lang="en-IL"/>
+          </a:p>
+        </p:txBody>
+      </p:sp>
+    </p:spTree>
+    <p:extLst>
+      <p:ext uri="{BB962C8B-B14F-4D97-AF65-F5344CB8AC3E}">
+        <p14:creationId xmlns:p14="http://schemas.microsoft.com/office/powerpoint/2010/main" val="1484376408"/>
+      </p:ext>
+    </p:extLst>
+  </p:cSld>
+  <p:clrMapOvr>
+    <a:masterClrMapping/>
+  </p:clrMapOvr>
+</p:notes>
+</file>
+
+<file path=ppt/notesSlides/notesSlide8.xml><?xml version="1.0" encoding="utf-8"?>
+<p:notes xmlns:a="http://schemas.openxmlformats.org/drawingml/2006/main" xmlns:r="http://schemas.openxmlformats.org/officeDocument/2006/relationships" xmlns:p="http://schemas.openxmlformats.org/presentationml/2006/main">
+  <p:cSld>
+    <p:spTree>
+      <p:nvGrpSpPr>
+        <p:cNvPr id="1" name=""/>
+        <p:cNvGrpSpPr/>
+        <p:nvPr/>
+      </p:nvGrpSpPr>
+      <p:grpSpPr>
+        <a:xfrm>
+          <a:off x="0" y="0"/>
+          <a:ext cx="0" cy="0"/>
+          <a:chOff x="0" y="0"/>
+          <a:chExt cx="0" cy="0"/>
+        </a:xfrm>
+      </p:grpSpPr>
+      <p:sp>
+        <p:nvSpPr>
+          <p:cNvPr id="2" name="מציין מיקום של תמונת שקופית 1"/>
+          <p:cNvSpPr>
+            <a:spLocks noGrp="1" noRot="1" noChangeAspect="1"/>
+          </p:cNvSpPr>
+          <p:nvPr>
+            <p:ph type="sldImg"/>
+          </p:nvPr>
+        </p:nvSpPr>
+        <p:spPr/>
+      </p:sp>
+      <p:sp>
+        <p:nvSpPr>
+          <p:cNvPr id="3" name="מציין מיקום של הערות 2"/>
+          <p:cNvSpPr>
+            <a:spLocks noGrp="1"/>
+          </p:cNvSpPr>
+          <p:nvPr>
+            <p:ph type="body" idx="1"/>
+          </p:nvPr>
+        </p:nvSpPr>
+        <p:spPr/>
+        <p:txBody>
+          <a:bodyPr/>
+          <a:lstStyle/>
+          <a:p>
+            <a:r>
+              <a:rPr lang="he-IL" dirty="0"/>
+              <a:t>מעקב אחרי כל המשימות שקיימות .</a:t>
+            </a:r>
+            <a:endParaRPr lang="en-IL" dirty="0"/>
+          </a:p>
+        </p:txBody>
+      </p:sp>
+      <p:sp>
+        <p:nvSpPr>
+          <p:cNvPr id="4" name="מציין מיקום של מספר שקופית 3"/>
+          <p:cNvSpPr>
+            <a:spLocks noGrp="1"/>
+          </p:cNvSpPr>
+          <p:nvPr>
+            <p:ph type="sldNum" sz="quarter" idx="5"/>
+          </p:nvPr>
+        </p:nvSpPr>
+        <p:spPr/>
+        <p:txBody>
+          <a:bodyPr/>
+          <a:lstStyle/>
+          <a:p>
+            <a:fld id="{EF89050A-76D1-45F8-923C-FFB0381BDD47}" type="slidenum">
+              <a:rPr lang="en-IL" smtClean="0"/>
+              <a:t>10</a:t>
             </a:fld>
             <a:endParaRPr lang="en-IL"/>
           </a:p>
@@ -1257,7 +1440,7 @@
           <a:p>
             <a:fld id="{9AB3A824-1A51-4B26-AD58-A6D8E14F6C04}" type="datetimeFigureOut">
               <a:rPr lang="en-US" dirty="0"/>
-              <a:t>3/6/2021</a:t>
+              <a:t>3/11/2021</a:t>
             </a:fld>
             <a:endParaRPr lang="en-US" dirty="0"/>
           </a:p>
@@ -1591,7 +1774,7 @@
           <a:p>
             <a:fld id="{D857E33E-8B18-4087-B112-809917729534}" type="datetimeFigureOut">
               <a:rPr lang="en-US" dirty="0"/>
-              <a:t>3/6/2021</a:t>
+              <a:t>3/11/2021</a:t>
             </a:fld>
             <a:endParaRPr lang="en-US" dirty="0"/>
           </a:p>
@@ -1893,7 +2076,7 @@
           <a:p>
             <a:fld id="{D3FFE419-2371-464F-8239-3959401C3561}" type="datetimeFigureOut">
               <a:rPr lang="en-US" dirty="0"/>
-              <a:t>3/6/2021</a:t>
+              <a:t>3/11/2021</a:t>
             </a:fld>
             <a:endParaRPr lang="en-US" dirty="0"/>
           </a:p>
@@ -2140,7 +2323,7 @@
           <a:p>
             <a:fld id="{97D162C4-EDD9-4389-A98B-B87ECEA2A816}" type="datetimeFigureOut">
               <a:rPr lang="en-US" dirty="0"/>
-              <a:t>3/6/2021</a:t>
+              <a:t>3/11/2021</a:t>
             </a:fld>
             <a:endParaRPr lang="en-US" dirty="0"/>
           </a:p>
@@ -2547,7 +2730,7 @@
           <a:p>
             <a:fld id="{3E5059C3-6A89-4494-99FF-5A4D6FFD50EB}" type="datetimeFigureOut">
               <a:rPr lang="en-US" dirty="0"/>
-              <a:t>3/6/2021</a:t>
+              <a:t>3/11/2021</a:t>
             </a:fld>
             <a:endParaRPr lang="en-US" dirty="0"/>
           </a:p>
@@ -2861,7 +3044,7 @@
           <a:p>
             <a:fld id="{CA954B2F-12DE-47F5-8894-472B206D2E1E}" type="datetimeFigureOut">
               <a:rPr lang="en-US" dirty="0"/>
-              <a:t>3/6/2021</a:t>
+              <a:t>3/11/2021</a:t>
             </a:fld>
             <a:endParaRPr lang="en-US" dirty="0"/>
           </a:p>
@@ -3405,7 +3588,7 @@
           <a:p>
             <a:fld id="{3F30E46F-7819-4ACF-B48B-48222C2ACC88}" type="datetimeFigureOut">
               <a:rPr lang="en-US" dirty="0"/>
-              <a:t>3/6/2021</a:t>
+              <a:t>3/11/2021</a:t>
             </a:fld>
             <a:endParaRPr lang="en-US" dirty="0"/>
           </a:p>
@@ -3600,7 +3783,7 @@
           <a:p>
             <a:fld id="{1FAF3416-4057-4DAA-829D-4CA07428D088}" type="datetimeFigureOut">
               <a:rPr lang="en-US" dirty="0"/>
-              <a:t>3/6/2021</a:t>
+              <a:t>3/11/2021</a:t>
             </a:fld>
             <a:endParaRPr lang="en-US" dirty="0"/>
           </a:p>
@@ -3813,7 +3996,7 @@
           <a:p>
             <a:fld id="{921D9284-D300-4297-87F7-E791DCC15DB1}" type="datetimeFigureOut">
               <a:rPr lang="en-US" dirty="0"/>
-              <a:t>3/6/2021</a:t>
+              <a:t>3/11/2021</a:t>
             </a:fld>
             <a:endParaRPr lang="en-US" dirty="0"/>
           </a:p>
@@ -4182,7 +4365,7 @@
           <a:p>
             <a:fld id="{37D525BB-DA17-4BA0-B3C8-3AC3ABC827E6}" type="datetimeFigureOut">
               <a:rPr lang="en-US" dirty="0"/>
-              <a:t>3/6/2021</a:t>
+              <a:t>3/11/2021</a:t>
             </a:fld>
             <a:endParaRPr lang="en-US" dirty="0"/>
           </a:p>
@@ -4585,7 +4768,7 @@
           <a:p>
             <a:fld id="{B16C4C9A-3960-41CF-A4E9-2A8FB932454B}" type="datetimeFigureOut">
               <a:rPr lang="en-US" dirty="0"/>
-              <a:t>3/6/2021</a:t>
+              <a:t>3/11/2021</a:t>
             </a:fld>
             <a:endParaRPr lang="en-US" dirty="0"/>
           </a:p>
@@ -4896,7 +5079,7 @@
           <a:p>
             <a:fld id="{3CBC1C18-307B-4F68-A007-B5B542270E8D}" type="datetimeFigureOut">
               <a:rPr lang="en-US" dirty="0"/>
-              <a:t>3/6/2021</a:t>
+              <a:t>3/11/2021</a:t>
             </a:fld>
             <a:endParaRPr lang="en-US" dirty="0"/>
           </a:p>
@@ -5898,10 +6081,10 @@
       </p:grpSpPr>
       <p:sp>
         <p:nvSpPr>
-          <p:cNvPr id="2" name="כותרת 1">
+          <p:cNvPr id="6" name="כותרת 1">
             <a:extLst>
               <a:ext uri="{FF2B5EF4-FFF2-40B4-BE49-F238E27FC236}">
-                <a16:creationId xmlns:a16="http://schemas.microsoft.com/office/drawing/2014/main" id="{CB174BA1-8260-48E5-B7DA-D97AB04F8E69}"/>
+                <a16:creationId xmlns:a16="http://schemas.microsoft.com/office/drawing/2014/main" id="{FB202AA6-BCD0-4D73-AE0B-4686F9B2C564}"/>
               </a:ext>
             </a:extLst>
           </p:cNvPr>
@@ -5914,27 +6097,105 @@
         </p:nvSpPr>
         <p:spPr>
           <a:xfrm>
-            <a:off x="960581" y="0"/>
-            <a:ext cx="4747491" cy="1297834"/>
+            <a:off x="1005399" y="87928"/>
+            <a:ext cx="967148" cy="720128"/>
           </a:xfrm>
         </p:spPr>
         <p:txBody>
           <a:bodyPr>
-            <a:normAutofit/>
+            <a:normAutofit fontScale="90000"/>
           </a:bodyPr>
           <a:lstStyle/>
           <a:p>
-            <a:r>
-              <a:rPr lang="en-US" sz="4000" dirty="0"/>
-              <a:t>System Architecture</a:t>
-            </a:r>
-          </a:p>
-        </p:txBody>
-      </p:sp>
+            <a:pPr algn="l"/>
+            <a:r>
+              <a:rPr lang="en-US" sz="4800" dirty="0"/>
+              <a:t>Git</a:t>
+            </a:r>
+            <a:endParaRPr lang="en-IL" sz="4800" dirty="0"/>
+          </a:p>
+        </p:txBody>
+      </p:sp>
+      <p:sp>
+        <p:nvSpPr>
+          <p:cNvPr id="7" name="מציין מיקום תוכן 2">
+            <a:extLst>
+              <a:ext uri="{FF2B5EF4-FFF2-40B4-BE49-F238E27FC236}">
+                <a16:creationId xmlns:a16="http://schemas.microsoft.com/office/drawing/2014/main" id="{D62BB816-C6EC-4F55-BE56-CF684DD2F45A}"/>
+              </a:ext>
+            </a:extLst>
+          </p:cNvPr>
+          <p:cNvSpPr>
+            <a:spLocks noGrp="1"/>
+          </p:cNvSpPr>
+          <p:nvPr>
+            <p:ph idx="1"/>
+          </p:nvPr>
+        </p:nvSpPr>
+        <p:spPr>
+          <a:xfrm>
+            <a:off x="1005398" y="895984"/>
+            <a:ext cx="8207265" cy="480429"/>
+          </a:xfrm>
+        </p:spPr>
+        <p:txBody>
+          <a:bodyPr anchor="t">
+            <a:normAutofit fontScale="92500" lnSpcReduction="20000"/>
+          </a:bodyPr>
+          <a:lstStyle/>
+          <a:p>
+            <a:r>
+              <a:rPr lang="en-US" dirty="0"/>
+              <a:t>Project </a:t>
+            </a:r>
+            <a:r>
+              <a:rPr lang="en-US" dirty="0" err="1"/>
+              <a:t>Managment</a:t>
+            </a:r>
+            <a:endParaRPr lang="en-US" dirty="0"/>
+          </a:p>
+          <a:p>
+            <a:pPr marL="0" indent="0">
+              <a:buNone/>
+            </a:pPr>
+            <a:endParaRPr lang="en-IL" dirty="0"/>
+          </a:p>
+        </p:txBody>
+      </p:sp>
+      <p:pic>
+        <p:nvPicPr>
+          <p:cNvPr id="3" name="תמונה 2">
+            <a:extLst>
+              <a:ext uri="{FF2B5EF4-FFF2-40B4-BE49-F238E27FC236}">
+                <a16:creationId xmlns:a16="http://schemas.microsoft.com/office/drawing/2014/main" id="{D20A6EE8-56CF-457C-AD6F-BF843CABAD0A}"/>
+              </a:ext>
+            </a:extLst>
+          </p:cNvPr>
+          <p:cNvPicPr>
+            <a:picLocks noChangeAspect="1"/>
+          </p:cNvPicPr>
+          <p:nvPr/>
+        </p:nvPicPr>
+        <p:blipFill>
+          <a:blip r:embed="rId3"/>
+          <a:stretch>
+            <a:fillRect/>
+          </a:stretch>
+        </p:blipFill>
+        <p:spPr>
+          <a:xfrm>
+            <a:off x="1005397" y="1591294"/>
+            <a:ext cx="9872399" cy="5178778"/>
+          </a:xfrm>
+          <a:prstGeom prst="rect">
+            <a:avLst/>
+          </a:prstGeom>
+        </p:spPr>
+      </p:pic>
     </p:spTree>
     <p:extLst>
       <p:ext uri="{BB962C8B-B14F-4D97-AF65-F5344CB8AC3E}">
-        <p14:creationId xmlns:p14="http://schemas.microsoft.com/office/powerpoint/2010/main" val="315623911"/>
+        <p14:creationId xmlns:p14="http://schemas.microsoft.com/office/powerpoint/2010/main" val="2290024658"/>
       </p:ext>
     </p:extLst>
   </p:cSld>
@@ -5979,27 +6240,31 @@
         </p:nvSpPr>
         <p:spPr>
           <a:xfrm>
-            <a:off x="794326" y="78384"/>
-            <a:ext cx="8091056" cy="1297834"/>
+            <a:off x="997527" y="69147"/>
+            <a:ext cx="3602181" cy="1297834"/>
           </a:xfrm>
         </p:spPr>
         <p:txBody>
           <a:bodyPr>
-            <a:normAutofit/>
+            <a:normAutofit fontScale="90000"/>
           </a:bodyPr>
           <a:lstStyle/>
           <a:p>
             <a:r>
-              <a:rPr lang="en-US" sz="4000" dirty="0"/>
-              <a:t>Existence of readiness constraints</a:t>
-            </a:r>
+              <a:rPr lang="en-US" sz="4400" dirty="0"/>
+              <a:t>Class Diagram</a:t>
+            </a:r>
+            <a:br>
+              <a:rPr lang="en-US" sz="4400" dirty="0"/>
+            </a:br>
+            <a:endParaRPr lang="en-IL" sz="4400" dirty="0"/>
           </a:p>
         </p:txBody>
       </p:sp>
     </p:spTree>
     <p:extLst>
       <p:ext uri="{BB962C8B-B14F-4D97-AF65-F5344CB8AC3E}">
-        <p14:creationId xmlns:p14="http://schemas.microsoft.com/office/powerpoint/2010/main" val="252298745"/>
+        <p14:creationId xmlns:p14="http://schemas.microsoft.com/office/powerpoint/2010/main" val="972491812"/>
       </p:ext>
     </p:extLst>
   </p:cSld>
@@ -6044,6 +6309,136 @@
         </p:nvSpPr>
         <p:spPr>
           <a:xfrm>
+            <a:off x="960581" y="0"/>
+            <a:ext cx="4747491" cy="1297834"/>
+          </a:xfrm>
+        </p:spPr>
+        <p:txBody>
+          <a:bodyPr>
+            <a:normAutofit/>
+          </a:bodyPr>
+          <a:lstStyle/>
+          <a:p>
+            <a:r>
+              <a:rPr lang="en-US" sz="4000" dirty="0"/>
+              <a:t>System Architecture</a:t>
+            </a:r>
+          </a:p>
+        </p:txBody>
+      </p:sp>
+    </p:spTree>
+    <p:extLst>
+      <p:ext uri="{BB962C8B-B14F-4D97-AF65-F5344CB8AC3E}">
+        <p14:creationId xmlns:p14="http://schemas.microsoft.com/office/powerpoint/2010/main" val="315623911"/>
+      </p:ext>
+    </p:extLst>
+  </p:cSld>
+  <p:clrMapOvr>
+    <a:masterClrMapping/>
+  </p:clrMapOvr>
+</p:sld>
+</file>
+
+<file path=ppt/slides/slide13.xml><?xml version="1.0" encoding="utf-8"?>
+<p:sld xmlns:a="http://schemas.openxmlformats.org/drawingml/2006/main" xmlns:r="http://schemas.openxmlformats.org/officeDocument/2006/relationships" xmlns:p="http://schemas.openxmlformats.org/presentationml/2006/main">
+  <p:cSld>
+    <p:spTree>
+      <p:nvGrpSpPr>
+        <p:cNvPr id="1" name=""/>
+        <p:cNvGrpSpPr/>
+        <p:nvPr/>
+      </p:nvGrpSpPr>
+      <p:grpSpPr>
+        <a:xfrm>
+          <a:off x="0" y="0"/>
+          <a:ext cx="0" cy="0"/>
+          <a:chOff x="0" y="0"/>
+          <a:chExt cx="0" cy="0"/>
+        </a:xfrm>
+      </p:grpSpPr>
+      <p:sp>
+        <p:nvSpPr>
+          <p:cNvPr id="2" name="כותרת 1">
+            <a:extLst>
+              <a:ext uri="{FF2B5EF4-FFF2-40B4-BE49-F238E27FC236}">
+                <a16:creationId xmlns:a16="http://schemas.microsoft.com/office/drawing/2014/main" id="{CB174BA1-8260-48E5-B7DA-D97AB04F8E69}"/>
+              </a:ext>
+            </a:extLst>
+          </p:cNvPr>
+          <p:cNvSpPr>
+            <a:spLocks noGrp="1"/>
+          </p:cNvSpPr>
+          <p:nvPr>
+            <p:ph type="title"/>
+          </p:nvPr>
+        </p:nvSpPr>
+        <p:spPr>
+          <a:xfrm>
+            <a:off x="794326" y="78384"/>
+            <a:ext cx="8091056" cy="1297834"/>
+          </a:xfrm>
+        </p:spPr>
+        <p:txBody>
+          <a:bodyPr>
+            <a:normAutofit/>
+          </a:bodyPr>
+          <a:lstStyle/>
+          <a:p>
+            <a:r>
+              <a:rPr lang="en-US" sz="4000" dirty="0"/>
+              <a:t>Existence of readiness constraints</a:t>
+            </a:r>
+          </a:p>
+        </p:txBody>
+      </p:sp>
+    </p:spTree>
+    <p:extLst>
+      <p:ext uri="{BB962C8B-B14F-4D97-AF65-F5344CB8AC3E}">
+        <p14:creationId xmlns:p14="http://schemas.microsoft.com/office/powerpoint/2010/main" val="252298745"/>
+      </p:ext>
+    </p:extLst>
+  </p:cSld>
+  <p:clrMapOvr>
+    <a:masterClrMapping/>
+  </p:clrMapOvr>
+</p:sld>
+</file>
+
+<file path=ppt/slides/slide14.xml><?xml version="1.0" encoding="utf-8"?>
+<p:sld xmlns:a="http://schemas.openxmlformats.org/drawingml/2006/main" xmlns:r="http://schemas.openxmlformats.org/officeDocument/2006/relationships" xmlns:p="http://schemas.openxmlformats.org/presentationml/2006/main">
+  <p:cSld>
+    <p:spTree>
+      <p:nvGrpSpPr>
+        <p:cNvPr id="1" name=""/>
+        <p:cNvGrpSpPr/>
+        <p:nvPr/>
+      </p:nvGrpSpPr>
+      <p:grpSpPr>
+        <a:xfrm>
+          <a:off x="0" y="0"/>
+          <a:ext cx="0" cy="0"/>
+          <a:chOff x="0" y="0"/>
+          <a:chExt cx="0" cy="0"/>
+        </a:xfrm>
+      </p:grpSpPr>
+      <p:sp>
+        <p:nvSpPr>
+          <p:cNvPr id="2" name="כותרת 1">
+            <a:extLst>
+              <a:ext uri="{FF2B5EF4-FFF2-40B4-BE49-F238E27FC236}">
+                <a16:creationId xmlns:a16="http://schemas.microsoft.com/office/drawing/2014/main" id="{CB174BA1-8260-48E5-B7DA-D97AB04F8E69}"/>
+              </a:ext>
+            </a:extLst>
+          </p:cNvPr>
+          <p:cNvSpPr>
+            <a:spLocks noGrp="1"/>
+          </p:cNvSpPr>
+          <p:nvPr>
+            <p:ph type="title"/>
+          </p:nvPr>
+        </p:nvSpPr>
+        <p:spPr>
+          <a:xfrm>
             <a:off x="1080655" y="106093"/>
             <a:ext cx="4294910" cy="1297834"/>
           </a:xfrm>
@@ -6074,7 +6469,7 @@
 </p:sld>
 </file>
 
-<file path=ppt/slides/slide13.xml><?xml version="1.0" encoding="utf-8"?>
+<file path=ppt/slides/slide15.xml><?xml version="1.0" encoding="utf-8"?>
 <p:sld xmlns:a="http://schemas.openxmlformats.org/drawingml/2006/main" xmlns:r="http://schemas.openxmlformats.org/officeDocument/2006/relationships" xmlns:p="http://schemas.openxmlformats.org/presentationml/2006/main">
   <p:cSld>
     <p:spTree>
@@ -8471,10 +8866,9 @@
           <a:lstStyle/>
           <a:p>
             <a:r>
-              <a:rPr lang="en-US" dirty="0" err="1"/>
-              <a:t>Traceabilty</a:t>
-            </a:r>
-            <a:endParaRPr lang="en-US" dirty="0"/>
+              <a:rPr lang="en-US" dirty="0"/>
+              <a:t>Traceability</a:t>
+            </a:r>
           </a:p>
           <a:p>
             <a:pPr marL="0" indent="0">
@@ -8789,7 +9183,7 @@
         </p:nvSpPr>
         <p:spPr>
           <a:xfrm>
-            <a:off x="1005398" y="895984"/>
+            <a:off x="1054833" y="1041543"/>
             <a:ext cx="8207265" cy="480429"/>
           </a:xfrm>
         </p:spPr>
@@ -8801,13 +9195,8 @@
           <a:p>
             <a:r>
               <a:rPr lang="en-US" dirty="0"/>
-              <a:t>Project </a:t>
-            </a:r>
-            <a:r>
-              <a:rPr lang="en-US" dirty="0" err="1"/>
-              <a:t>Managment</a:t>
-            </a:r>
-            <a:endParaRPr lang="en-US" dirty="0"/>
+              <a:t>Contribute</a:t>
+            </a:r>
           </a:p>
           <a:p>
             <a:pPr marL="0" indent="0">
@@ -8822,7 +9211,7 @@
           <p:cNvPr id="3" name="תמונה 2">
             <a:extLst>
               <a:ext uri="{FF2B5EF4-FFF2-40B4-BE49-F238E27FC236}">
-                <a16:creationId xmlns:a16="http://schemas.microsoft.com/office/drawing/2014/main" id="{D20A6EE8-56CF-457C-AD6F-BF843CABAD0A}"/>
+                <a16:creationId xmlns:a16="http://schemas.microsoft.com/office/drawing/2014/main" id="{0A201C64-93E5-411A-B8D6-81CFA62BC25B}"/>
               </a:ext>
             </a:extLst>
           </p:cNvPr>
@@ -8839,18 +9228,296 @@
         </p:blipFill>
         <p:spPr>
           <a:xfrm>
-            <a:off x="1005397" y="1591294"/>
-            <a:ext cx="9872399" cy="5178778"/>
+            <a:off x="1157798" y="2116039"/>
+            <a:ext cx="8207265" cy="3486447"/>
           </a:xfrm>
           <a:prstGeom prst="rect">
             <a:avLst/>
           </a:prstGeom>
         </p:spPr>
       </p:pic>
+      <p:sp>
+        <p:nvSpPr>
+          <p:cNvPr id="8" name="מציין מיקום תוכן 2">
+            <a:extLst>
+              <a:ext uri="{FF2B5EF4-FFF2-40B4-BE49-F238E27FC236}">
+                <a16:creationId xmlns:a16="http://schemas.microsoft.com/office/drawing/2014/main" id="{4F0904FF-7099-4B37-A44B-F4F646EFD184}"/>
+              </a:ext>
+            </a:extLst>
+          </p:cNvPr>
+          <p:cNvSpPr txBox="1">
+            <a:spLocks/>
+          </p:cNvSpPr>
+          <p:nvPr/>
+        </p:nvSpPr>
+        <p:spPr>
+          <a:xfrm>
+            <a:off x="2460125" y="207777"/>
+            <a:ext cx="8207265" cy="480429"/>
+          </a:xfrm>
+          <a:prstGeom prst="rect">
+            <a:avLst/>
+          </a:prstGeom>
+        </p:spPr>
+        <p:txBody>
+          <a:bodyPr vert="horz" lIns="91440" tIns="45720" rIns="91440" bIns="45720" rtlCol="0" anchor="t">
+            <a:normAutofit fontScale="92500" lnSpcReduction="20000"/>
+          </a:bodyPr>
+          <a:lstStyle>
+            <a:lvl1pPr marL="344488" indent="-344488" algn="l" defTabSz="914400" rtl="0" eaLnBrk="1" latinLnBrk="0" hangingPunct="1">
+              <a:lnSpc>
+                <a:spcPct val="120000"/>
+              </a:lnSpc>
+              <a:spcBef>
+                <a:spcPts val="1000"/>
+              </a:spcBef>
+              <a:spcAft>
+                <a:spcPts val="600"/>
+              </a:spcAft>
+              <a:buClr>
+                <a:schemeClr val="accent6"/>
+              </a:buClr>
+              <a:buSzPct val="90000"/>
+              <a:buFont typeface="Wingdings" panose="05000000000000000000" pitchFamily="2" charset="2"/>
+              <a:buChar char="§"/>
+              <a:defRPr sz="2000" kern="1200">
+                <a:solidFill>
+                  <a:schemeClr val="tx1"/>
+                </a:solidFill>
+                <a:effectLst/>
+                <a:latin typeface="+mn-lt"/>
+                <a:ea typeface="+mn-ea"/>
+                <a:cs typeface="+mn-cs"/>
+              </a:defRPr>
+            </a:lvl1pPr>
+            <a:lvl2pPr marL="795338" indent="-338138" algn="l" defTabSz="914400" rtl="0" eaLnBrk="1" latinLnBrk="0" hangingPunct="1">
+              <a:lnSpc>
+                <a:spcPct val="120000"/>
+              </a:lnSpc>
+              <a:spcBef>
+                <a:spcPts val="500"/>
+              </a:spcBef>
+              <a:spcAft>
+                <a:spcPts val="600"/>
+              </a:spcAft>
+              <a:buClr>
+                <a:schemeClr val="accent6"/>
+              </a:buClr>
+              <a:buSzPct val="90000"/>
+              <a:buFont typeface="Wingdings" panose="05000000000000000000" pitchFamily="2" charset="2"/>
+              <a:buChar char="§"/>
+              <a:defRPr sz="1800" kern="1200">
+                <a:solidFill>
+                  <a:schemeClr val="tx1"/>
+                </a:solidFill>
+                <a:effectLst/>
+                <a:latin typeface="+mn-lt"/>
+                <a:ea typeface="+mn-ea"/>
+                <a:cs typeface="+mn-cs"/>
+              </a:defRPr>
+            </a:lvl2pPr>
+            <a:lvl3pPr marL="1258888" indent="-344488" algn="l" defTabSz="914400" rtl="0" eaLnBrk="1" latinLnBrk="0" hangingPunct="1">
+              <a:lnSpc>
+                <a:spcPct val="120000"/>
+              </a:lnSpc>
+              <a:spcBef>
+                <a:spcPts val="500"/>
+              </a:spcBef>
+              <a:spcAft>
+                <a:spcPts val="600"/>
+              </a:spcAft>
+              <a:buClr>
+                <a:schemeClr val="accent6"/>
+              </a:buClr>
+              <a:buSzPct val="90000"/>
+              <a:buFont typeface="Wingdings" panose="05000000000000000000" pitchFamily="2" charset="2"/>
+              <a:buChar char="§"/>
+              <a:defRPr sz="1600" kern="1200">
+                <a:solidFill>
+                  <a:schemeClr val="tx1"/>
+                </a:solidFill>
+                <a:effectLst/>
+                <a:latin typeface="+mn-lt"/>
+                <a:ea typeface="+mn-ea"/>
+                <a:cs typeface="+mn-cs"/>
+              </a:defRPr>
+            </a:lvl3pPr>
+            <a:lvl4pPr marL="1709738" indent="-338138" algn="l" defTabSz="914400" rtl="0" eaLnBrk="1" latinLnBrk="0" hangingPunct="1">
+              <a:lnSpc>
+                <a:spcPct val="120000"/>
+              </a:lnSpc>
+              <a:spcBef>
+                <a:spcPts val="500"/>
+              </a:spcBef>
+              <a:spcAft>
+                <a:spcPts val="600"/>
+              </a:spcAft>
+              <a:buClr>
+                <a:schemeClr val="accent6"/>
+              </a:buClr>
+              <a:buSzPct val="90000"/>
+              <a:buFont typeface="Wingdings" panose="05000000000000000000" pitchFamily="2" charset="2"/>
+              <a:buChar char="§"/>
+              <a:defRPr sz="1400" kern="1200">
+                <a:solidFill>
+                  <a:schemeClr val="tx1"/>
+                </a:solidFill>
+                <a:effectLst/>
+                <a:latin typeface="+mn-lt"/>
+                <a:ea typeface="+mn-ea"/>
+                <a:cs typeface="+mn-cs"/>
+              </a:defRPr>
+            </a:lvl4pPr>
+            <a:lvl5pPr marL="2173288" indent="-344488" algn="l" defTabSz="914400" rtl="0" eaLnBrk="1" latinLnBrk="0" hangingPunct="1">
+              <a:lnSpc>
+                <a:spcPct val="120000"/>
+              </a:lnSpc>
+              <a:spcBef>
+                <a:spcPts val="500"/>
+              </a:spcBef>
+              <a:spcAft>
+                <a:spcPts val="600"/>
+              </a:spcAft>
+              <a:buClr>
+                <a:schemeClr val="accent6"/>
+              </a:buClr>
+              <a:buSzPct val="90000"/>
+              <a:buFont typeface="Wingdings" panose="05000000000000000000" pitchFamily="2" charset="2"/>
+              <a:buChar char="§"/>
+              <a:defRPr sz="1200" kern="1200">
+                <a:solidFill>
+                  <a:schemeClr val="tx1"/>
+                </a:solidFill>
+                <a:effectLst/>
+                <a:latin typeface="+mn-lt"/>
+                <a:ea typeface="+mn-ea"/>
+                <a:cs typeface="+mn-cs"/>
+              </a:defRPr>
+            </a:lvl5pPr>
+            <a:lvl6pPr marL="2642616" indent="-338328" algn="l" defTabSz="914400" rtl="0" eaLnBrk="1" latinLnBrk="0" hangingPunct="1">
+              <a:lnSpc>
+                <a:spcPct val="120000"/>
+              </a:lnSpc>
+              <a:spcBef>
+                <a:spcPts val="500"/>
+              </a:spcBef>
+              <a:spcAft>
+                <a:spcPts val="600"/>
+              </a:spcAft>
+              <a:buClr>
+                <a:schemeClr val="accent6"/>
+              </a:buClr>
+              <a:buSzPct val="90000"/>
+              <a:buFont typeface="Wingdings" panose="05000000000000000000" pitchFamily="2" charset="2"/>
+              <a:buChar char="§"/>
+              <a:defRPr sz="1200" kern="1200" baseline="0">
+                <a:solidFill>
+                  <a:schemeClr val="tx1"/>
+                </a:solidFill>
+                <a:effectLst/>
+                <a:latin typeface="+mn-lt"/>
+                <a:ea typeface="+mn-ea"/>
+                <a:cs typeface="+mn-cs"/>
+              </a:defRPr>
+            </a:lvl6pPr>
+            <a:lvl7pPr marL="3108960" indent="-338328" algn="l" defTabSz="914400" rtl="0" eaLnBrk="1" latinLnBrk="0" hangingPunct="1">
+              <a:lnSpc>
+                <a:spcPct val="120000"/>
+              </a:lnSpc>
+              <a:spcBef>
+                <a:spcPts val="500"/>
+              </a:spcBef>
+              <a:spcAft>
+                <a:spcPts val="600"/>
+              </a:spcAft>
+              <a:buClr>
+                <a:schemeClr val="accent6"/>
+              </a:buClr>
+              <a:buSzPct val="90000"/>
+              <a:buFont typeface="Wingdings" panose="05000000000000000000" pitchFamily="2" charset="2"/>
+              <a:buChar char="§"/>
+              <a:defRPr sz="1200" kern="1200" baseline="0">
+                <a:solidFill>
+                  <a:schemeClr val="tx1"/>
+                </a:solidFill>
+                <a:effectLst/>
+                <a:latin typeface="+mn-lt"/>
+                <a:ea typeface="+mn-ea"/>
+                <a:cs typeface="+mn-cs"/>
+              </a:defRPr>
+            </a:lvl7pPr>
+            <a:lvl8pPr marL="3575304" indent="-338328" algn="l" defTabSz="914400" rtl="0" eaLnBrk="1" latinLnBrk="0" hangingPunct="1">
+              <a:lnSpc>
+                <a:spcPct val="120000"/>
+              </a:lnSpc>
+              <a:spcBef>
+                <a:spcPts val="500"/>
+              </a:spcBef>
+              <a:spcAft>
+                <a:spcPts val="600"/>
+              </a:spcAft>
+              <a:buClr>
+                <a:schemeClr val="accent6"/>
+              </a:buClr>
+              <a:buSzPct val="90000"/>
+              <a:buFont typeface="Wingdings" panose="05000000000000000000" pitchFamily="2" charset="2"/>
+              <a:buChar char="§"/>
+              <a:defRPr sz="1200" kern="1200" baseline="0">
+                <a:solidFill>
+                  <a:schemeClr val="tx1"/>
+                </a:solidFill>
+                <a:effectLst/>
+                <a:latin typeface="+mn-lt"/>
+                <a:ea typeface="+mn-ea"/>
+                <a:cs typeface="+mn-cs"/>
+              </a:defRPr>
+            </a:lvl8pPr>
+            <a:lvl9pPr marL="4041648" indent="-338328" algn="l" defTabSz="914400" rtl="0" eaLnBrk="1" latinLnBrk="0" hangingPunct="1">
+              <a:lnSpc>
+                <a:spcPct val="120000"/>
+              </a:lnSpc>
+              <a:spcBef>
+                <a:spcPts val="500"/>
+              </a:spcBef>
+              <a:spcAft>
+                <a:spcPts val="600"/>
+              </a:spcAft>
+              <a:buClr>
+                <a:schemeClr val="accent6"/>
+              </a:buClr>
+              <a:buSzPct val="90000"/>
+              <a:buFont typeface="Wingdings" panose="05000000000000000000" pitchFamily="2" charset="2"/>
+              <a:buChar char="§"/>
+              <a:defRPr sz="1200" kern="1200" baseline="0">
+                <a:solidFill>
+                  <a:schemeClr val="tx1"/>
+                </a:solidFill>
+                <a:effectLst/>
+                <a:latin typeface="+mn-lt"/>
+                <a:ea typeface="+mn-ea"/>
+                <a:cs typeface="+mn-cs"/>
+              </a:defRPr>
+            </a:lvl9pPr>
+          </a:lstStyle>
+          <a:p>
+            <a:r>
+              <a:rPr lang="en-US" dirty="0"/>
+              <a:t>Access management</a:t>
+            </a:r>
+          </a:p>
+          <a:p>
+            <a:pPr marL="0" indent="0">
+              <a:buFont typeface="Wingdings" panose="05000000000000000000" pitchFamily="2" charset="2"/>
+              <a:buNone/>
+            </a:pPr>
+            <a:endParaRPr lang="en-IL" dirty="0"/>
+          </a:p>
+        </p:txBody>
+      </p:sp>
     </p:spTree>
     <p:extLst>
       <p:ext uri="{BB962C8B-B14F-4D97-AF65-F5344CB8AC3E}">
-        <p14:creationId xmlns:p14="http://schemas.microsoft.com/office/powerpoint/2010/main" val="2290024658"/>
+        <p14:creationId xmlns:p14="http://schemas.microsoft.com/office/powerpoint/2010/main" val="2139799466"/>
       </p:ext>
     </p:extLst>
   </p:cSld>
@@ -8879,10 +9546,10 @@
       </p:grpSpPr>
       <p:sp>
         <p:nvSpPr>
-          <p:cNvPr id="2" name="כותרת 1">
+          <p:cNvPr id="6" name="כותרת 1">
             <a:extLst>
               <a:ext uri="{FF2B5EF4-FFF2-40B4-BE49-F238E27FC236}">
-                <a16:creationId xmlns:a16="http://schemas.microsoft.com/office/drawing/2014/main" id="{CB174BA1-8260-48E5-B7DA-D97AB04F8E69}"/>
+                <a16:creationId xmlns:a16="http://schemas.microsoft.com/office/drawing/2014/main" id="{FB202AA6-BCD0-4D73-AE0B-4686F9B2C564}"/>
               </a:ext>
             </a:extLst>
           </p:cNvPr>
@@ -8895,8 +9562,8 @@
         </p:nvSpPr>
         <p:spPr>
           <a:xfrm>
-            <a:off x="997527" y="69147"/>
-            <a:ext cx="3602181" cy="1297834"/>
+            <a:off x="1005399" y="87928"/>
+            <a:ext cx="967148" cy="720128"/>
           </a:xfrm>
         </p:spPr>
         <p:txBody>
@@ -8905,21 +9572,398 @@
           </a:bodyPr>
           <a:lstStyle/>
           <a:p>
-            <a:r>
-              <a:rPr lang="en-US" sz="4400" dirty="0"/>
-              <a:t>Class Diagram</a:t>
-            </a:r>
-            <a:br>
-              <a:rPr lang="en-US" sz="4400" dirty="0"/>
-            </a:br>
-            <a:endParaRPr lang="en-IL" sz="4400" dirty="0"/>
-          </a:p>
-        </p:txBody>
-      </p:sp>
+            <a:pPr algn="l"/>
+            <a:r>
+              <a:rPr lang="en-US" sz="4800" dirty="0"/>
+              <a:t>Git</a:t>
+            </a:r>
+            <a:endParaRPr lang="en-IL" sz="4800" dirty="0"/>
+          </a:p>
+        </p:txBody>
+      </p:sp>
+      <p:sp>
+        <p:nvSpPr>
+          <p:cNvPr id="7" name="מציין מיקום תוכן 2">
+            <a:extLst>
+              <a:ext uri="{FF2B5EF4-FFF2-40B4-BE49-F238E27FC236}">
+                <a16:creationId xmlns:a16="http://schemas.microsoft.com/office/drawing/2014/main" id="{D62BB816-C6EC-4F55-BE56-CF684DD2F45A}"/>
+              </a:ext>
+            </a:extLst>
+          </p:cNvPr>
+          <p:cNvSpPr>
+            <a:spLocks noGrp="1"/>
+          </p:cNvSpPr>
+          <p:nvPr>
+            <p:ph idx="1"/>
+          </p:nvPr>
+        </p:nvSpPr>
+        <p:spPr>
+          <a:xfrm>
+            <a:off x="1153764" y="782458"/>
+            <a:ext cx="8207265" cy="480429"/>
+          </a:xfrm>
+        </p:spPr>
+        <p:txBody>
+          <a:bodyPr anchor="t">
+            <a:normAutofit fontScale="92500" lnSpcReduction="20000"/>
+          </a:bodyPr>
+          <a:lstStyle/>
+          <a:p>
+            <a:r>
+              <a:rPr lang="en-US" dirty="0"/>
+              <a:t>Admin</a:t>
+            </a:r>
+          </a:p>
+          <a:p>
+            <a:pPr marL="0" indent="0">
+              <a:buNone/>
+            </a:pPr>
+            <a:endParaRPr lang="en-IL" dirty="0"/>
+          </a:p>
+        </p:txBody>
+      </p:sp>
+      <p:sp>
+        <p:nvSpPr>
+          <p:cNvPr id="8" name="מציין מיקום תוכן 2">
+            <a:extLst>
+              <a:ext uri="{FF2B5EF4-FFF2-40B4-BE49-F238E27FC236}">
+                <a16:creationId xmlns:a16="http://schemas.microsoft.com/office/drawing/2014/main" id="{4F0904FF-7099-4B37-A44B-F4F646EFD184}"/>
+              </a:ext>
+            </a:extLst>
+          </p:cNvPr>
+          <p:cNvSpPr txBox="1">
+            <a:spLocks/>
+          </p:cNvSpPr>
+          <p:nvPr/>
+        </p:nvSpPr>
+        <p:spPr>
+          <a:xfrm>
+            <a:off x="2589434" y="207777"/>
+            <a:ext cx="8207265" cy="480429"/>
+          </a:xfrm>
+          <a:prstGeom prst="rect">
+            <a:avLst/>
+          </a:prstGeom>
+        </p:spPr>
+        <p:txBody>
+          <a:bodyPr vert="horz" lIns="91440" tIns="45720" rIns="91440" bIns="45720" rtlCol="0" anchor="t">
+            <a:normAutofit fontScale="92500" lnSpcReduction="20000"/>
+          </a:bodyPr>
+          <a:lstStyle>
+            <a:lvl1pPr marL="344488" indent="-344488" algn="l" defTabSz="914400" rtl="0" eaLnBrk="1" latinLnBrk="0" hangingPunct="1">
+              <a:lnSpc>
+                <a:spcPct val="120000"/>
+              </a:lnSpc>
+              <a:spcBef>
+                <a:spcPts val="1000"/>
+              </a:spcBef>
+              <a:spcAft>
+                <a:spcPts val="600"/>
+              </a:spcAft>
+              <a:buClr>
+                <a:schemeClr val="accent6"/>
+              </a:buClr>
+              <a:buSzPct val="90000"/>
+              <a:buFont typeface="Wingdings" panose="05000000000000000000" pitchFamily="2" charset="2"/>
+              <a:buChar char="§"/>
+              <a:defRPr sz="2000" kern="1200">
+                <a:solidFill>
+                  <a:schemeClr val="tx1"/>
+                </a:solidFill>
+                <a:effectLst/>
+                <a:latin typeface="+mn-lt"/>
+                <a:ea typeface="+mn-ea"/>
+                <a:cs typeface="+mn-cs"/>
+              </a:defRPr>
+            </a:lvl1pPr>
+            <a:lvl2pPr marL="795338" indent="-338138" algn="l" defTabSz="914400" rtl="0" eaLnBrk="1" latinLnBrk="0" hangingPunct="1">
+              <a:lnSpc>
+                <a:spcPct val="120000"/>
+              </a:lnSpc>
+              <a:spcBef>
+                <a:spcPts val="500"/>
+              </a:spcBef>
+              <a:spcAft>
+                <a:spcPts val="600"/>
+              </a:spcAft>
+              <a:buClr>
+                <a:schemeClr val="accent6"/>
+              </a:buClr>
+              <a:buSzPct val="90000"/>
+              <a:buFont typeface="Wingdings" panose="05000000000000000000" pitchFamily="2" charset="2"/>
+              <a:buChar char="§"/>
+              <a:defRPr sz="1800" kern="1200">
+                <a:solidFill>
+                  <a:schemeClr val="tx1"/>
+                </a:solidFill>
+                <a:effectLst/>
+                <a:latin typeface="+mn-lt"/>
+                <a:ea typeface="+mn-ea"/>
+                <a:cs typeface="+mn-cs"/>
+              </a:defRPr>
+            </a:lvl2pPr>
+            <a:lvl3pPr marL="1258888" indent="-344488" algn="l" defTabSz="914400" rtl="0" eaLnBrk="1" latinLnBrk="0" hangingPunct="1">
+              <a:lnSpc>
+                <a:spcPct val="120000"/>
+              </a:lnSpc>
+              <a:spcBef>
+                <a:spcPts val="500"/>
+              </a:spcBef>
+              <a:spcAft>
+                <a:spcPts val="600"/>
+              </a:spcAft>
+              <a:buClr>
+                <a:schemeClr val="accent6"/>
+              </a:buClr>
+              <a:buSzPct val="90000"/>
+              <a:buFont typeface="Wingdings" panose="05000000000000000000" pitchFamily="2" charset="2"/>
+              <a:buChar char="§"/>
+              <a:defRPr sz="1600" kern="1200">
+                <a:solidFill>
+                  <a:schemeClr val="tx1"/>
+                </a:solidFill>
+                <a:effectLst/>
+                <a:latin typeface="+mn-lt"/>
+                <a:ea typeface="+mn-ea"/>
+                <a:cs typeface="+mn-cs"/>
+              </a:defRPr>
+            </a:lvl3pPr>
+            <a:lvl4pPr marL="1709738" indent="-338138" algn="l" defTabSz="914400" rtl="0" eaLnBrk="1" latinLnBrk="0" hangingPunct="1">
+              <a:lnSpc>
+                <a:spcPct val="120000"/>
+              </a:lnSpc>
+              <a:spcBef>
+                <a:spcPts val="500"/>
+              </a:spcBef>
+              <a:spcAft>
+                <a:spcPts val="600"/>
+              </a:spcAft>
+              <a:buClr>
+                <a:schemeClr val="accent6"/>
+              </a:buClr>
+              <a:buSzPct val="90000"/>
+              <a:buFont typeface="Wingdings" panose="05000000000000000000" pitchFamily="2" charset="2"/>
+              <a:buChar char="§"/>
+              <a:defRPr sz="1400" kern="1200">
+                <a:solidFill>
+                  <a:schemeClr val="tx1"/>
+                </a:solidFill>
+                <a:effectLst/>
+                <a:latin typeface="+mn-lt"/>
+                <a:ea typeface="+mn-ea"/>
+                <a:cs typeface="+mn-cs"/>
+              </a:defRPr>
+            </a:lvl4pPr>
+            <a:lvl5pPr marL="2173288" indent="-344488" algn="l" defTabSz="914400" rtl="0" eaLnBrk="1" latinLnBrk="0" hangingPunct="1">
+              <a:lnSpc>
+                <a:spcPct val="120000"/>
+              </a:lnSpc>
+              <a:spcBef>
+                <a:spcPts val="500"/>
+              </a:spcBef>
+              <a:spcAft>
+                <a:spcPts val="600"/>
+              </a:spcAft>
+              <a:buClr>
+                <a:schemeClr val="accent6"/>
+              </a:buClr>
+              <a:buSzPct val="90000"/>
+              <a:buFont typeface="Wingdings" panose="05000000000000000000" pitchFamily="2" charset="2"/>
+              <a:buChar char="§"/>
+              <a:defRPr sz="1200" kern="1200">
+                <a:solidFill>
+                  <a:schemeClr val="tx1"/>
+                </a:solidFill>
+                <a:effectLst/>
+                <a:latin typeface="+mn-lt"/>
+                <a:ea typeface="+mn-ea"/>
+                <a:cs typeface="+mn-cs"/>
+              </a:defRPr>
+            </a:lvl5pPr>
+            <a:lvl6pPr marL="2642616" indent="-338328" algn="l" defTabSz="914400" rtl="0" eaLnBrk="1" latinLnBrk="0" hangingPunct="1">
+              <a:lnSpc>
+                <a:spcPct val="120000"/>
+              </a:lnSpc>
+              <a:spcBef>
+                <a:spcPts val="500"/>
+              </a:spcBef>
+              <a:spcAft>
+                <a:spcPts val="600"/>
+              </a:spcAft>
+              <a:buClr>
+                <a:schemeClr val="accent6"/>
+              </a:buClr>
+              <a:buSzPct val="90000"/>
+              <a:buFont typeface="Wingdings" panose="05000000000000000000" pitchFamily="2" charset="2"/>
+              <a:buChar char="§"/>
+              <a:defRPr sz="1200" kern="1200" baseline="0">
+                <a:solidFill>
+                  <a:schemeClr val="tx1"/>
+                </a:solidFill>
+                <a:effectLst/>
+                <a:latin typeface="+mn-lt"/>
+                <a:ea typeface="+mn-ea"/>
+                <a:cs typeface="+mn-cs"/>
+              </a:defRPr>
+            </a:lvl6pPr>
+            <a:lvl7pPr marL="3108960" indent="-338328" algn="l" defTabSz="914400" rtl="0" eaLnBrk="1" latinLnBrk="0" hangingPunct="1">
+              <a:lnSpc>
+                <a:spcPct val="120000"/>
+              </a:lnSpc>
+              <a:spcBef>
+                <a:spcPts val="500"/>
+              </a:spcBef>
+              <a:spcAft>
+                <a:spcPts val="600"/>
+              </a:spcAft>
+              <a:buClr>
+                <a:schemeClr val="accent6"/>
+              </a:buClr>
+              <a:buSzPct val="90000"/>
+              <a:buFont typeface="Wingdings" panose="05000000000000000000" pitchFamily="2" charset="2"/>
+              <a:buChar char="§"/>
+              <a:defRPr sz="1200" kern="1200" baseline="0">
+                <a:solidFill>
+                  <a:schemeClr val="tx1"/>
+                </a:solidFill>
+                <a:effectLst/>
+                <a:latin typeface="+mn-lt"/>
+                <a:ea typeface="+mn-ea"/>
+                <a:cs typeface="+mn-cs"/>
+              </a:defRPr>
+            </a:lvl7pPr>
+            <a:lvl8pPr marL="3575304" indent="-338328" algn="l" defTabSz="914400" rtl="0" eaLnBrk="1" latinLnBrk="0" hangingPunct="1">
+              <a:lnSpc>
+                <a:spcPct val="120000"/>
+              </a:lnSpc>
+              <a:spcBef>
+                <a:spcPts val="500"/>
+              </a:spcBef>
+              <a:spcAft>
+                <a:spcPts val="600"/>
+              </a:spcAft>
+              <a:buClr>
+                <a:schemeClr val="accent6"/>
+              </a:buClr>
+              <a:buSzPct val="90000"/>
+              <a:buFont typeface="Wingdings" panose="05000000000000000000" pitchFamily="2" charset="2"/>
+              <a:buChar char="§"/>
+              <a:defRPr sz="1200" kern="1200" baseline="0">
+                <a:solidFill>
+                  <a:schemeClr val="tx1"/>
+                </a:solidFill>
+                <a:effectLst/>
+                <a:latin typeface="+mn-lt"/>
+                <a:ea typeface="+mn-ea"/>
+                <a:cs typeface="+mn-cs"/>
+              </a:defRPr>
+            </a:lvl8pPr>
+            <a:lvl9pPr marL="4041648" indent="-338328" algn="l" defTabSz="914400" rtl="0" eaLnBrk="1" latinLnBrk="0" hangingPunct="1">
+              <a:lnSpc>
+                <a:spcPct val="120000"/>
+              </a:lnSpc>
+              <a:spcBef>
+                <a:spcPts val="500"/>
+              </a:spcBef>
+              <a:spcAft>
+                <a:spcPts val="600"/>
+              </a:spcAft>
+              <a:buClr>
+                <a:schemeClr val="accent6"/>
+              </a:buClr>
+              <a:buSzPct val="90000"/>
+              <a:buFont typeface="Wingdings" panose="05000000000000000000" pitchFamily="2" charset="2"/>
+              <a:buChar char="§"/>
+              <a:defRPr sz="1200" kern="1200" baseline="0">
+                <a:solidFill>
+                  <a:schemeClr val="tx1"/>
+                </a:solidFill>
+                <a:effectLst/>
+                <a:latin typeface="+mn-lt"/>
+                <a:ea typeface="+mn-ea"/>
+                <a:cs typeface="+mn-cs"/>
+              </a:defRPr>
+            </a:lvl9pPr>
+          </a:lstStyle>
+          <a:p>
+            <a:r>
+              <a:rPr lang="en-US" dirty="0"/>
+              <a:t>Access management</a:t>
+            </a:r>
+          </a:p>
+          <a:p>
+            <a:pPr marL="0" indent="0">
+              <a:buFont typeface="Wingdings" panose="05000000000000000000" pitchFamily="2" charset="2"/>
+              <a:buNone/>
+            </a:pPr>
+            <a:endParaRPr lang="en-IL" dirty="0"/>
+          </a:p>
+        </p:txBody>
+      </p:sp>
+      <p:pic>
+        <p:nvPicPr>
+          <p:cNvPr id="4" name="תמונה 3">
+            <a:extLst>
+              <a:ext uri="{FF2B5EF4-FFF2-40B4-BE49-F238E27FC236}">
+                <a16:creationId xmlns:a16="http://schemas.microsoft.com/office/drawing/2014/main" id="{C45B52D4-D03C-47DC-BFAD-2C3F1CABA9E1}"/>
+              </a:ext>
+            </a:extLst>
+          </p:cNvPr>
+          <p:cNvPicPr>
+            <a:picLocks noChangeAspect="1"/>
+          </p:cNvPicPr>
+          <p:nvPr/>
+        </p:nvPicPr>
+        <p:blipFill>
+          <a:blip r:embed="rId3"/>
+          <a:stretch>
+            <a:fillRect/>
+          </a:stretch>
+        </p:blipFill>
+        <p:spPr>
+          <a:xfrm>
+            <a:off x="1153764" y="1262887"/>
+            <a:ext cx="6503181" cy="2505549"/>
+          </a:xfrm>
+          <a:prstGeom prst="rect">
+            <a:avLst/>
+          </a:prstGeom>
+        </p:spPr>
+      </p:pic>
+      <p:pic>
+        <p:nvPicPr>
+          <p:cNvPr id="9" name="תמונה 8">
+            <a:extLst>
+              <a:ext uri="{FF2B5EF4-FFF2-40B4-BE49-F238E27FC236}">
+                <a16:creationId xmlns:a16="http://schemas.microsoft.com/office/drawing/2014/main" id="{E5B977E0-B380-4563-8003-D3A4DF40C417}"/>
+              </a:ext>
+            </a:extLst>
+          </p:cNvPr>
+          <p:cNvPicPr>
+            <a:picLocks noChangeAspect="1"/>
+          </p:cNvPicPr>
+          <p:nvPr/>
+        </p:nvPicPr>
+        <p:blipFill>
+          <a:blip r:embed="rId4"/>
+          <a:stretch>
+            <a:fillRect/>
+          </a:stretch>
+        </p:blipFill>
+        <p:spPr>
+          <a:xfrm>
+            <a:off x="1153764" y="3902247"/>
+            <a:ext cx="5792607" cy="2747976"/>
+          </a:xfrm>
+          <a:prstGeom prst="rect">
+            <a:avLst/>
+          </a:prstGeom>
+        </p:spPr>
+      </p:pic>
     </p:spTree>
     <p:extLst>
       <p:ext uri="{BB962C8B-B14F-4D97-AF65-F5344CB8AC3E}">
-        <p14:creationId xmlns:p14="http://schemas.microsoft.com/office/powerpoint/2010/main" val="972491812"/>
+        <p14:creationId xmlns:p14="http://schemas.microsoft.com/office/powerpoint/2010/main" val="1144877642"/>
       </p:ext>
     </p:extLst>
   </p:cSld>
